--- a/images.pptx
+++ b/images.pptx
@@ -6339,8 +6339,12 @@
           <a:p>
             <a:pPr algn="ctr"/>
             <a:r>
+              <a:rPr lang="en-US" dirty="0"/>
+              <a:t>5</a:t>
+            </a:r>
+            <a:r>
               <a:rPr lang="en-US" dirty="0" smtClean="0"/>
-              <a:t>3. </a:t>
+              <a:t>. </a:t>
             </a:r>
             <a:r>
               <a:rPr lang="en-US" dirty="0" err="1" smtClean="0"/>
@@ -6428,8 +6432,12 @@
           <a:p>
             <a:pPr algn="ctr"/>
             <a:r>
+              <a:rPr lang="en-US" dirty="0"/>
+              <a:t>3</a:t>
+            </a:r>
+            <a:r>
               <a:rPr lang="en-US" dirty="0" smtClean="0"/>
-              <a:t>4. Work</a:t>
+              <a:t>. Work</a:t>
             </a:r>
             <a:endParaRPr lang="en-US" dirty="0"/>
           </a:p>
@@ -6502,8 +6510,12 @@
           <a:p>
             <a:pPr algn="ctr"/>
             <a:r>
+              <a:rPr lang="en-US" dirty="0"/>
+              <a:t>4</a:t>
+            </a:r>
+            <a:r>
               <a:rPr lang="en-US" dirty="0" smtClean="0"/>
-              <a:t>5. </a:t>
+              <a:t>. </a:t>
             </a:r>
             <a:r>
               <a:rPr lang="en-US" dirty="0" err="1" smtClean="0"/>
